--- a/Presentation.pptx
+++ b/Presentation.pptx
@@ -5,11 +5,13 @@
     <p:sldMasterId id="2147483792" r:id="rId1"/>
   </p:sldMasterIdLst>
   <p:notesMasterIdLst>
-    <p:notesMasterId r:id="rId4"/>
+    <p:notesMasterId r:id="rId6"/>
   </p:notesMasterIdLst>
   <p:sldIdLst>
     <p:sldId id="256" r:id="rId2"/>
     <p:sldId id="257" r:id="rId3"/>
+    <p:sldId id="258" r:id="rId4"/>
+    <p:sldId id="259" r:id="rId5"/>
   </p:sldIdLst>
   <p:sldSz cx="12192000" cy="6858000"/>
   <p:notesSz cx="6858000" cy="9144000"/>
@@ -108,6 +110,11 @@
       </a:defRPr>
     </a:lvl9pPr>
   </p:defaultTextStyle>
+  <p:extLst>
+    <p:ext uri="{EFAFB233-063F-42B5-8137-9DF3F51BA10A}">
+      <p15:sldGuideLst xmlns:p15="http://schemas.microsoft.com/office/powerpoint/2012/main"/>
+    </p:ext>
+  </p:extLst>
 </p:presentation>
 </file>
 
@@ -4015,6 +4022,384 @@
     <p:extLst>
       <p:ext uri="{BB962C8B-B14F-4D97-AF65-F5344CB8AC3E}">
         <p14:creationId xmlns:p14="http://schemas.microsoft.com/office/powerpoint/2010/main" val="3987301249"/>
+      </p:ext>
+    </p:extLst>
+  </p:cSld>
+  <p:clrMapOvr>
+    <a:masterClrMapping/>
+  </p:clrMapOvr>
+</p:sld>
+</file>
+
+<file path=ppt/slides/slide3.xml><?xml version="1.0" encoding="utf-8"?>
+<p:sld xmlns:a="http://schemas.openxmlformats.org/drawingml/2006/main" xmlns:r="http://schemas.openxmlformats.org/officeDocument/2006/relationships" xmlns:p="http://schemas.openxmlformats.org/presentationml/2006/main">
+  <p:cSld>
+    <p:spTree>
+      <p:nvGrpSpPr>
+        <p:cNvPr id="1" name=""/>
+        <p:cNvGrpSpPr/>
+        <p:nvPr/>
+      </p:nvGrpSpPr>
+      <p:grpSpPr>
+        <a:xfrm>
+          <a:off x="0" y="0"/>
+          <a:ext cx="0" cy="0"/>
+          <a:chOff x="0" y="0"/>
+          <a:chExt cx="0" cy="0"/>
+        </a:xfrm>
+      </p:grpSpPr>
+      <p:sp>
+        <p:nvSpPr>
+          <p:cNvPr id="2" name="Title 1">
+            <a:extLst>
+              <a:ext uri="{FF2B5EF4-FFF2-40B4-BE49-F238E27FC236}">
+                <a16:creationId xmlns:a16="http://schemas.microsoft.com/office/drawing/2014/main" id="{7D3639A8-2053-42C0-89E0-4EE14533EB8A}"/>
+              </a:ext>
+            </a:extLst>
+          </p:cNvPr>
+          <p:cNvSpPr>
+            <a:spLocks noGrp="1"/>
+          </p:cNvSpPr>
+          <p:nvPr>
+            <p:ph type="title"/>
+          </p:nvPr>
+        </p:nvSpPr>
+        <p:spPr/>
+        <p:txBody>
+          <a:bodyPr/>
+          <a:lstStyle/>
+          <a:p>
+            <a:r>
+              <a:rPr lang="en-US" dirty="0"/>
+              <a:t>Experiment 1 Process</a:t>
+            </a:r>
+          </a:p>
+        </p:txBody>
+      </p:sp>
+      <p:sp>
+        <p:nvSpPr>
+          <p:cNvPr id="3" name="Content Placeholder 2">
+            <a:extLst>
+              <a:ext uri="{FF2B5EF4-FFF2-40B4-BE49-F238E27FC236}">
+                <a16:creationId xmlns:a16="http://schemas.microsoft.com/office/drawing/2014/main" id="{014C397B-B379-4A65-95DC-1FEF5184F21E}"/>
+              </a:ext>
+            </a:extLst>
+          </p:cNvPr>
+          <p:cNvSpPr>
+            <a:spLocks noGrp="1"/>
+          </p:cNvSpPr>
+          <p:nvPr>
+            <p:ph idx="1"/>
+          </p:nvPr>
+        </p:nvSpPr>
+        <p:spPr/>
+        <p:txBody>
+          <a:bodyPr>
+            <a:normAutofit/>
+          </a:bodyPr>
+          <a:lstStyle/>
+          <a:p>
+            <a:r>
+              <a:rPr lang="en-US" dirty="0"/>
+              <a:t>Generate artificial blob data; number of centroids, </a:t>
+            </a:r>
+            <a:r>
+              <a:rPr lang="en-US" i="1" dirty="0"/>
+              <a:t>C</a:t>
+            </a:r>
+            <a:r>
+              <a:rPr lang="en-US" dirty="0"/>
+              <a:t>, separated by characteristic radius, </a:t>
+            </a:r>
+            <a:r>
+              <a:rPr lang="en-US" i="1" dirty="0"/>
+              <a:t>r</a:t>
+            </a:r>
+            <a:r>
+              <a:rPr lang="en-US" dirty="0"/>
+              <a:t>, with number of data points, </a:t>
+            </a:r>
+            <a:r>
+              <a:rPr lang="en-US" i="1" dirty="0"/>
+              <a:t>n</a:t>
+            </a:r>
+            <a:r>
+              <a:rPr lang="en-US" dirty="0"/>
+              <a:t>, in gaussian distribution about C with standard deviation, </a:t>
+            </a:r>
+            <a:r>
+              <a:rPr lang="el-GR" i="1" dirty="0"/>
+              <a:t>σ</a:t>
+            </a:r>
+            <a:r>
+              <a:rPr lang="en-US" dirty="0"/>
+              <a:t>.  Split 20/80 into training and test data.</a:t>
+            </a:r>
+          </a:p>
+          <a:p>
+            <a:pPr lvl="1"/>
+            <a:r>
+              <a:rPr lang="en-US" dirty="0"/>
+              <a:t>Centroids, </a:t>
+            </a:r>
+            <a:r>
+              <a:rPr lang="en-US" i="1" dirty="0"/>
+              <a:t>c</a:t>
+            </a:r>
+            <a:r>
+              <a:rPr lang="en-US" dirty="0"/>
+              <a:t> = [1, 2, 3, 4]</a:t>
+            </a:r>
+          </a:p>
+          <a:p>
+            <a:pPr lvl="1"/>
+            <a:r>
+              <a:rPr lang="en-US" dirty="0"/>
+              <a:t>Radius, </a:t>
+            </a:r>
+            <a:r>
+              <a:rPr lang="en-US" i="1" dirty="0"/>
+              <a:t>r</a:t>
+            </a:r>
+            <a:r>
+              <a:rPr lang="en-US" dirty="0"/>
+              <a:t> = 1 (no sense in varying r when we’re also varying sigma)</a:t>
+            </a:r>
+          </a:p>
+          <a:p>
+            <a:pPr lvl="1"/>
+            <a:r>
+              <a:rPr lang="en-US" dirty="0"/>
+              <a:t>Standard deviation, </a:t>
+            </a:r>
+            <a:r>
+              <a:rPr lang="el-GR" i="1" dirty="0"/>
+              <a:t>σ</a:t>
+            </a:r>
+            <a:r>
+              <a:rPr lang="en-US" dirty="0"/>
+              <a:t> = [0:0.25:3]</a:t>
+            </a:r>
+          </a:p>
+          <a:p>
+            <a:pPr lvl="1"/>
+            <a:r>
+              <a:rPr lang="en-US" dirty="0"/>
+              <a:t>Number of points, </a:t>
+            </a:r>
+            <a:r>
+              <a:rPr lang="en-US" i="1" dirty="0"/>
+              <a:t>N</a:t>
+            </a:r>
+            <a:r>
+              <a:rPr lang="en-US" dirty="0"/>
+              <a:t> = [25:25:500]</a:t>
+            </a:r>
+          </a:p>
+          <a:p>
+            <a:r>
+              <a:rPr lang="en-US" dirty="0"/>
+              <a:t>Run K-means and soft K-means on each set of artificial data.  Look at accuracy (from training and test method) and conclude general trends.  </a:t>
+            </a:r>
+          </a:p>
+        </p:txBody>
+      </p:sp>
+    </p:spTree>
+    <p:extLst>
+      <p:ext uri="{BB962C8B-B14F-4D97-AF65-F5344CB8AC3E}">
+        <p14:creationId xmlns:p14="http://schemas.microsoft.com/office/powerpoint/2010/main" val="262435638"/>
+      </p:ext>
+    </p:extLst>
+  </p:cSld>
+  <p:clrMapOvr>
+    <a:masterClrMapping/>
+  </p:clrMapOvr>
+</p:sld>
+</file>
+
+<file path=ppt/slides/slide4.xml><?xml version="1.0" encoding="utf-8"?>
+<p:sld xmlns:a="http://schemas.openxmlformats.org/drawingml/2006/main" xmlns:r="http://schemas.openxmlformats.org/officeDocument/2006/relationships" xmlns:p="http://schemas.openxmlformats.org/presentationml/2006/main">
+  <p:cSld>
+    <p:spTree>
+      <p:nvGrpSpPr>
+        <p:cNvPr id="1" name=""/>
+        <p:cNvGrpSpPr/>
+        <p:nvPr/>
+      </p:nvGrpSpPr>
+      <p:grpSpPr>
+        <a:xfrm>
+          <a:off x="0" y="0"/>
+          <a:ext cx="0" cy="0"/>
+          <a:chOff x="0" y="0"/>
+          <a:chExt cx="0" cy="0"/>
+        </a:xfrm>
+      </p:grpSpPr>
+      <p:sp>
+        <p:nvSpPr>
+          <p:cNvPr id="2" name="Title 1">
+            <a:extLst>
+              <a:ext uri="{FF2B5EF4-FFF2-40B4-BE49-F238E27FC236}">
+                <a16:creationId xmlns:a16="http://schemas.microsoft.com/office/drawing/2014/main" id="{E7A4866F-B7A6-411E-807E-D1DC38B80BA4}"/>
+              </a:ext>
+            </a:extLst>
+          </p:cNvPr>
+          <p:cNvSpPr>
+            <a:spLocks noGrp="1"/>
+          </p:cNvSpPr>
+          <p:nvPr>
+            <p:ph type="title"/>
+          </p:nvPr>
+        </p:nvSpPr>
+        <p:spPr/>
+        <p:txBody>
+          <a:bodyPr/>
+          <a:lstStyle/>
+          <a:p>
+            <a:r>
+              <a:rPr lang="en-US" dirty="0"/>
+              <a:t>Experiment 2 Process</a:t>
+            </a:r>
+          </a:p>
+        </p:txBody>
+      </p:sp>
+      <p:sp>
+        <p:nvSpPr>
+          <p:cNvPr id="3" name="Content Placeholder 2">
+            <a:extLst>
+              <a:ext uri="{FF2B5EF4-FFF2-40B4-BE49-F238E27FC236}">
+                <a16:creationId xmlns:a16="http://schemas.microsoft.com/office/drawing/2014/main" id="{6CAD7963-C2F7-4112-BA36-44ACCB5C3121}"/>
+              </a:ext>
+            </a:extLst>
+          </p:cNvPr>
+          <p:cNvSpPr>
+            <a:spLocks noGrp="1"/>
+          </p:cNvSpPr>
+          <p:nvPr>
+            <p:ph idx="1"/>
+          </p:nvPr>
+        </p:nvSpPr>
+        <p:spPr/>
+        <p:txBody>
+          <a:bodyPr>
+            <a:normAutofit fontScale="92500" lnSpcReduction="10000"/>
+          </a:bodyPr>
+          <a:lstStyle/>
+          <a:p>
+            <a:r>
+              <a:rPr lang="en-US" dirty="0"/>
+              <a:t>Generate artificial data with </a:t>
+            </a:r>
+            <a:r>
+              <a:rPr lang="en-US" dirty="0" err="1"/>
+              <a:t>make_blobs</a:t>
+            </a:r>
+            <a:r>
+              <a:rPr lang="en-US" dirty="0"/>
+              <a:t>.    Split 20/80 into training and test data:</a:t>
+            </a:r>
+          </a:p>
+          <a:p>
+            <a:pPr lvl="1"/>
+            <a:r>
+              <a:rPr lang="en-US" dirty="0"/>
+              <a:t>centers = 2, 4 (three total data sets)</a:t>
+            </a:r>
+          </a:p>
+          <a:p>
+            <a:pPr lvl="1"/>
+            <a:r>
+              <a:rPr lang="en-US" dirty="0"/>
+              <a:t>n = 50</a:t>
+            </a:r>
+          </a:p>
+          <a:p>
+            <a:r>
+              <a:rPr lang="en-US" dirty="0"/>
+              <a:t>Run k-means and soft </a:t>
+            </a:r>
+            <a:r>
+              <a:rPr lang="en-US" dirty="0" err="1"/>
+              <a:t>kmeans</a:t>
+            </a:r>
+            <a:r>
+              <a:rPr lang="en-US" dirty="0"/>
+              <a:t> on each set of artificial data with:</a:t>
+            </a:r>
+          </a:p>
+          <a:p>
+            <a:pPr lvl="1"/>
+            <a:r>
+              <a:rPr lang="en-US" dirty="0" err="1"/>
+              <a:t>n_clusters</a:t>
+            </a:r>
+            <a:r>
+              <a:rPr lang="en-US" dirty="0"/>
+              <a:t> = 2, 4</a:t>
+            </a:r>
+          </a:p>
+          <a:p>
+            <a:r>
+              <a:rPr lang="en-US" dirty="0"/>
+              <a:t>Run evaluation</a:t>
+            </a:r>
+          </a:p>
+          <a:p>
+            <a:pPr lvl="1"/>
+            <a:r>
+              <a:rPr lang="en-US" dirty="0"/>
+              <a:t>Adjusted Rand index evaluation</a:t>
+            </a:r>
+          </a:p>
+          <a:p>
+            <a:pPr lvl="1"/>
+            <a:r>
+              <a:rPr lang="en-US" dirty="0" err="1"/>
+              <a:t>Calinski-Harabaz</a:t>
+            </a:r>
+            <a:r>
+              <a:rPr lang="en-US" dirty="0"/>
+              <a:t> Index</a:t>
+            </a:r>
+          </a:p>
+          <a:p>
+            <a:pPr lvl="1"/>
+            <a:r>
+              <a:rPr lang="en-US" dirty="0"/>
+              <a:t>Training-test evaluation</a:t>
+            </a:r>
+          </a:p>
+          <a:p>
+            <a:r>
+              <a:rPr lang="en-US" dirty="0"/>
+              <a:t>Look at evaluation parameters, check that k-means when centers = </a:t>
+            </a:r>
+            <a:r>
+              <a:rPr lang="en-US" dirty="0" err="1"/>
+              <a:t>n_clusters</a:t>
+            </a:r>
+            <a:r>
+              <a:rPr lang="en-US" dirty="0"/>
+              <a:t> </a:t>
+            </a:r>
+          </a:p>
+          <a:p>
+            <a:endParaRPr lang="en-US" dirty="0"/>
+          </a:p>
+          <a:p>
+            <a:r>
+              <a:rPr lang="en-US" dirty="0"/>
+              <a:t>Not there yet</a:t>
+            </a:r>
+          </a:p>
+          <a:p>
+            <a:endParaRPr lang="en-US" dirty="0"/>
+          </a:p>
+        </p:txBody>
+      </p:sp>
+    </p:spTree>
+    <p:extLst>
+      <p:ext uri="{BB962C8B-B14F-4D97-AF65-F5344CB8AC3E}">
+        <p14:creationId xmlns:p14="http://schemas.microsoft.com/office/powerpoint/2010/main" val="2448784836"/>
       </p:ext>
     </p:extLst>
   </p:cSld>

--- a/Presentation.pptx
+++ b/Presentation.pptx
@@ -200,7 +200,7 @@
           <a:p>
             <a:fld id="{2CB479E6-FB1E-4750-84CB-8E63F730DD2E}" type="datetimeFigureOut">
               <a:rPr lang="en-US" smtClean="0"/>
-              <a:t>4/17/2018</a:t>
+              <a:t>4/18/2018</a:t>
             </a:fld>
             <a:endParaRPr lang="en-US"/>
           </a:p>
@@ -756,7 +756,7 @@
           <a:p>
             <a:fld id="{B8F9E251-FF81-4094-9989-6CB7B65F46D5}" type="datetimeFigureOut">
               <a:rPr lang="en-US" smtClean="0"/>
-              <a:t>4/17/2018</a:t>
+              <a:t>4/18/2018</a:t>
             </a:fld>
             <a:endParaRPr lang="en-US"/>
           </a:p>
@@ -980,7 +980,7 @@
           <a:p>
             <a:fld id="{B8F9E251-FF81-4094-9989-6CB7B65F46D5}" type="datetimeFigureOut">
               <a:rPr lang="en-US" smtClean="0"/>
-              <a:t>4/17/2018</a:t>
+              <a:t>4/18/2018</a:t>
             </a:fld>
             <a:endParaRPr lang="en-US"/>
           </a:p>
@@ -1160,7 +1160,7 @@
           <a:p>
             <a:fld id="{B8F9E251-FF81-4094-9989-6CB7B65F46D5}" type="datetimeFigureOut">
               <a:rPr lang="en-US" smtClean="0"/>
-              <a:t>4/17/2018</a:t>
+              <a:t>4/18/2018</a:t>
             </a:fld>
             <a:endParaRPr lang="en-US"/>
           </a:p>
@@ -1330,7 +1330,7 @@
           <a:p>
             <a:fld id="{B8F9E251-FF81-4094-9989-6CB7B65F46D5}" type="datetimeFigureOut">
               <a:rPr lang="en-US" smtClean="0"/>
-              <a:t>4/17/2018</a:t>
+              <a:t>4/18/2018</a:t>
             </a:fld>
             <a:endParaRPr lang="en-US"/>
           </a:p>
@@ -1621,7 +1621,7 @@
           <a:p>
             <a:fld id="{B8F9E251-FF81-4094-9989-6CB7B65F46D5}" type="datetimeFigureOut">
               <a:rPr lang="en-US" smtClean="0"/>
-              <a:t>4/17/2018</a:t>
+              <a:t>4/18/2018</a:t>
             </a:fld>
             <a:endParaRPr lang="en-US"/>
           </a:p>
@@ -1947,7 +1947,7 @@
           <a:p>
             <a:fld id="{B8F9E251-FF81-4094-9989-6CB7B65F46D5}" type="datetimeFigureOut">
               <a:rPr lang="en-US" smtClean="0"/>
-              <a:t>4/17/2018</a:t>
+              <a:t>4/18/2018</a:t>
             </a:fld>
             <a:endParaRPr lang="en-US"/>
           </a:p>
@@ -2359,7 +2359,7 @@
           <a:p>
             <a:fld id="{B8F9E251-FF81-4094-9989-6CB7B65F46D5}" type="datetimeFigureOut">
               <a:rPr lang="en-US" smtClean="0"/>
-              <a:t>4/17/2018</a:t>
+              <a:t>4/18/2018</a:t>
             </a:fld>
             <a:endParaRPr lang="en-US"/>
           </a:p>
@@ -2477,7 +2477,7 @@
           <a:p>
             <a:fld id="{B8F9E251-FF81-4094-9989-6CB7B65F46D5}" type="datetimeFigureOut">
               <a:rPr lang="en-US" smtClean="0"/>
-              <a:t>4/17/2018</a:t>
+              <a:t>4/18/2018</a:t>
             </a:fld>
             <a:endParaRPr lang="en-US"/>
           </a:p>
@@ -2572,7 +2572,7 @@
           <a:p>
             <a:fld id="{B8F9E251-FF81-4094-9989-6CB7B65F46D5}" type="datetimeFigureOut">
               <a:rPr lang="en-US" smtClean="0"/>
-              <a:t>4/17/2018</a:t>
+              <a:t>4/18/2018</a:t>
             </a:fld>
             <a:endParaRPr lang="en-US"/>
           </a:p>
@@ -2859,7 +2859,7 @@
           <a:p>
             <a:fld id="{B8F9E251-FF81-4094-9989-6CB7B65F46D5}" type="datetimeFigureOut">
               <a:rPr lang="en-US" smtClean="0"/>
-              <a:t>4/17/2018</a:t>
+              <a:t>4/18/2018</a:t>
             </a:fld>
             <a:endParaRPr lang="en-US"/>
           </a:p>
@@ -3136,7 +3136,7 @@
           <a:p>
             <a:fld id="{B8F9E251-FF81-4094-9989-6CB7B65F46D5}" type="datetimeFigureOut">
               <a:rPr lang="en-US" smtClean="0"/>
-              <a:t>4/17/2018</a:t>
+              <a:t>4/18/2018</a:t>
             </a:fld>
             <a:endParaRPr lang="en-US"/>
           </a:p>
@@ -3387,7 +3387,7 @@
           <a:p>
             <a:fld id="{B8F9E251-FF81-4094-9989-6CB7B65F46D5}" type="datetimeFigureOut">
               <a:rPr lang="en-US" smtClean="0"/>
-              <a:t>4/17/2018</a:t>
+              <a:t>4/18/2018</a:t>
             </a:fld>
             <a:endParaRPr lang="en-US"/>
           </a:p>
@@ -4163,7 +4163,15 @@
             </a:r>
             <a:r>
               <a:rPr lang="en-US" dirty="0"/>
-              <a:t> = 1 (no sense in varying r when we’re also varying sigma)</a:t>
+              <a:t> = 1 (no sense in varying r when we’re also varying </a:t>
+            </a:r>
+            <a:r>
+              <a:rPr lang="el-GR" i="1" dirty="0"/>
+              <a:t>σ</a:t>
+            </a:r>
+            <a:r>
+              <a:rPr lang="en-US" dirty="0"/>
+              <a:t>)</a:t>
             </a:r>
           </a:p>
           <a:p>
